--- a/figures/bayes_ssvs/bayes_ssvs.pptx
+++ b/figures/bayes_ssvs/bayes_ssvs.pptx
@@ -10,12 +10,13 @@
     <p:sldId id="260" r:id="rId4"/>
     <p:sldId id="261" r:id="rId5"/>
     <p:sldId id="271" r:id="rId6"/>
-    <p:sldId id="262" r:id="rId7"/>
-    <p:sldId id="266" r:id="rId8"/>
-    <p:sldId id="265" r:id="rId9"/>
-    <p:sldId id="263" r:id="rId10"/>
-    <p:sldId id="264" r:id="rId11"/>
-    <p:sldId id="267" r:id="rId12"/>
+    <p:sldId id="272" r:id="rId7"/>
+    <p:sldId id="262" r:id="rId8"/>
+    <p:sldId id="266" r:id="rId9"/>
+    <p:sldId id="265" r:id="rId10"/>
+    <p:sldId id="263" r:id="rId11"/>
+    <p:sldId id="264" r:id="rId12"/>
+    <p:sldId id="267" r:id="rId13"/>
   </p:sldIdLst>
   <p:sldSz cx="12192000" cy="6858000"/>
   <p:notesSz cx="6858000" cy="9144000"/>
@@ -114,6 +115,11 @@
       </a:defRPr>
     </a:lvl9pPr>
   </p:defaultTextStyle>
+  <p:extLst>
+    <p:ext uri="{EFAFB233-063F-42B5-8137-9DF3F51BA10A}">
+      <p15:sldGuideLst xmlns:p15="http://schemas.microsoft.com/office/powerpoint/2012/main"/>
+    </p:ext>
+  </p:extLst>
 </p:presentation>
 </file>
 
@@ -266,7 +272,7 @@
           <a:p>
             <a:fld id="{FCD9828B-69EF-4A65-ABAB-1F6CC110024A}" type="datetimeFigureOut">
               <a:rPr lang="de-AT" smtClean="0"/>
-              <a:t>06.07.2020</a:t>
+              <a:t>10.07.2020</a:t>
             </a:fld>
             <a:endParaRPr lang="de-AT"/>
           </a:p>
@@ -466,7 +472,7 @@
           <a:p>
             <a:fld id="{FCD9828B-69EF-4A65-ABAB-1F6CC110024A}" type="datetimeFigureOut">
               <a:rPr lang="de-AT" smtClean="0"/>
-              <a:t>06.07.2020</a:t>
+              <a:t>10.07.2020</a:t>
             </a:fld>
             <a:endParaRPr lang="de-AT"/>
           </a:p>
@@ -676,7 +682,7 @@
           <a:p>
             <a:fld id="{FCD9828B-69EF-4A65-ABAB-1F6CC110024A}" type="datetimeFigureOut">
               <a:rPr lang="de-AT" smtClean="0"/>
-              <a:t>06.07.2020</a:t>
+              <a:t>10.07.2020</a:t>
             </a:fld>
             <a:endParaRPr lang="de-AT"/>
           </a:p>
@@ -876,7 +882,7 @@
           <a:p>
             <a:fld id="{FCD9828B-69EF-4A65-ABAB-1F6CC110024A}" type="datetimeFigureOut">
               <a:rPr lang="de-AT" smtClean="0"/>
-              <a:t>06.07.2020</a:t>
+              <a:t>10.07.2020</a:t>
             </a:fld>
             <a:endParaRPr lang="de-AT"/>
           </a:p>
@@ -1152,7 +1158,7 @@
           <a:p>
             <a:fld id="{FCD9828B-69EF-4A65-ABAB-1F6CC110024A}" type="datetimeFigureOut">
               <a:rPr lang="de-AT" smtClean="0"/>
-              <a:t>06.07.2020</a:t>
+              <a:t>10.07.2020</a:t>
             </a:fld>
             <a:endParaRPr lang="de-AT"/>
           </a:p>
@@ -1420,7 +1426,7 @@
           <a:p>
             <a:fld id="{FCD9828B-69EF-4A65-ABAB-1F6CC110024A}" type="datetimeFigureOut">
               <a:rPr lang="de-AT" smtClean="0"/>
-              <a:t>06.07.2020</a:t>
+              <a:t>10.07.2020</a:t>
             </a:fld>
             <a:endParaRPr lang="de-AT"/>
           </a:p>
@@ -1835,7 +1841,7 @@
           <a:p>
             <a:fld id="{FCD9828B-69EF-4A65-ABAB-1F6CC110024A}" type="datetimeFigureOut">
               <a:rPr lang="de-AT" smtClean="0"/>
-              <a:t>06.07.2020</a:t>
+              <a:t>10.07.2020</a:t>
             </a:fld>
             <a:endParaRPr lang="de-AT"/>
           </a:p>
@@ -1977,7 +1983,7 @@
           <a:p>
             <a:fld id="{FCD9828B-69EF-4A65-ABAB-1F6CC110024A}" type="datetimeFigureOut">
               <a:rPr lang="de-AT" smtClean="0"/>
-              <a:t>06.07.2020</a:t>
+              <a:t>10.07.2020</a:t>
             </a:fld>
             <a:endParaRPr lang="de-AT"/>
           </a:p>
@@ -2090,7 +2096,7 @@
           <a:p>
             <a:fld id="{FCD9828B-69EF-4A65-ABAB-1F6CC110024A}" type="datetimeFigureOut">
               <a:rPr lang="de-AT" smtClean="0"/>
-              <a:t>06.07.2020</a:t>
+              <a:t>10.07.2020</a:t>
             </a:fld>
             <a:endParaRPr lang="de-AT"/>
           </a:p>
@@ -2403,7 +2409,7 @@
           <a:p>
             <a:fld id="{FCD9828B-69EF-4A65-ABAB-1F6CC110024A}" type="datetimeFigureOut">
               <a:rPr lang="de-AT" smtClean="0"/>
-              <a:t>06.07.2020</a:t>
+              <a:t>10.07.2020</a:t>
             </a:fld>
             <a:endParaRPr lang="de-AT"/>
           </a:p>
@@ -2692,7 +2698,7 @@
           <a:p>
             <a:fld id="{FCD9828B-69EF-4A65-ABAB-1F6CC110024A}" type="datetimeFigureOut">
               <a:rPr lang="de-AT" smtClean="0"/>
-              <a:t>06.07.2020</a:t>
+              <a:t>10.07.2020</a:t>
             </a:fld>
             <a:endParaRPr lang="de-AT"/>
           </a:p>
@@ -2935,7 +2941,7 @@
           <a:p>
             <a:fld id="{FCD9828B-69EF-4A65-ABAB-1F6CC110024A}" type="datetimeFigureOut">
               <a:rPr lang="de-AT" smtClean="0"/>
-              <a:t>06.07.2020</a:t>
+              <a:t>10.07.2020</a:t>
             </a:fld>
             <a:endParaRPr lang="de-AT"/>
           </a:p>
@@ -3412,6 +3418,106 @@
       </p:grpSpPr>
       <p:pic>
         <p:nvPicPr>
+          <p:cNvPr id="12" name="Inhaltsplatzhalter 11" descr="Ein Bild, das Screenshot enthält.&#10;&#10;Automatisch generierte Beschreibung">
+            <a:extLst>
+              <a:ext uri="{FF2B5EF4-FFF2-40B4-BE49-F238E27FC236}">
+                <a16:creationId xmlns:a16="http://schemas.microsoft.com/office/drawing/2014/main" id="{0D81ED36-08F3-4C24-99D3-833330A13F03}"/>
+              </a:ext>
+            </a:extLst>
+          </p:cNvPr>
+          <p:cNvPicPr>
+            <a:picLocks noGrp="1" noChangeAspect="1"/>
+          </p:cNvPicPr>
+          <p:nvPr>
+            <p:ph sz="half" idx="1"/>
+          </p:nvPr>
+        </p:nvPicPr>
+        <p:blipFill>
+          <a:blip r:embed="rId2">
+            <a:extLst>
+              <a:ext uri="{28A0092B-C50C-407E-A947-70E740481C1C}">
+                <a14:useLocalDpi xmlns:a14="http://schemas.microsoft.com/office/drawing/2010/main" val="0"/>
+              </a:ext>
+            </a:extLst>
+          </a:blip>
+          <a:stretch>
+            <a:fillRect/>
+          </a:stretch>
+        </p:blipFill>
+        <p:spPr>
+          <a:xfrm>
+            <a:off x="0" y="1251858"/>
+            <a:ext cx="6096000" cy="4354284"/>
+          </a:xfrm>
+        </p:spPr>
+      </p:pic>
+      <p:pic>
+        <p:nvPicPr>
+          <p:cNvPr id="14" name="Inhaltsplatzhalter 13" descr="Ein Bild, das Screenshot enthält.&#10;&#10;Automatisch generierte Beschreibung">
+            <a:extLst>
+              <a:ext uri="{FF2B5EF4-FFF2-40B4-BE49-F238E27FC236}">
+                <a16:creationId xmlns:a16="http://schemas.microsoft.com/office/drawing/2014/main" id="{D816D738-BD8F-4C0E-BCB0-DBDB3CBA2972}"/>
+              </a:ext>
+            </a:extLst>
+          </p:cNvPr>
+          <p:cNvPicPr>
+            <a:picLocks noGrp="1" noChangeAspect="1"/>
+          </p:cNvPicPr>
+          <p:nvPr>
+            <p:ph sz="half" idx="2"/>
+          </p:nvPr>
+        </p:nvPicPr>
+        <p:blipFill>
+          <a:blip r:embed="rId3">
+            <a:extLst>
+              <a:ext uri="{28A0092B-C50C-407E-A947-70E740481C1C}">
+                <a14:useLocalDpi xmlns:a14="http://schemas.microsoft.com/office/drawing/2010/main" val="0"/>
+              </a:ext>
+            </a:extLst>
+          </a:blip>
+          <a:stretch>
+            <a:fillRect/>
+          </a:stretch>
+        </p:blipFill>
+        <p:spPr>
+          <a:xfrm>
+            <a:off x="6096000" y="1251858"/>
+            <a:ext cx="6095999" cy="4354284"/>
+          </a:xfrm>
+        </p:spPr>
+      </p:pic>
+    </p:spTree>
+    <p:extLst>
+      <p:ext uri="{BB962C8B-B14F-4D97-AF65-F5344CB8AC3E}">
+        <p14:creationId xmlns:p14="http://schemas.microsoft.com/office/powerpoint/2010/main" val="1650839493"/>
+      </p:ext>
+    </p:extLst>
+  </p:cSld>
+  <p:clrMapOvr>
+    <a:masterClrMapping/>
+  </p:clrMapOvr>
+</p:sld>
+</file>
+
+<file path=ppt/slides/slide11.xml><?xml version="1.0" encoding="utf-8"?>
+<p:sld xmlns:a="http://schemas.openxmlformats.org/drawingml/2006/main" xmlns:r="http://schemas.openxmlformats.org/officeDocument/2006/relationships" xmlns:p="http://schemas.openxmlformats.org/presentationml/2006/main">
+  <p:cSld>
+    <p:spTree>
+      <p:nvGrpSpPr>
+        <p:cNvPr id="1" name=""/>
+        <p:cNvGrpSpPr/>
+        <p:nvPr/>
+      </p:nvGrpSpPr>
+      <p:grpSpPr>
+        <a:xfrm>
+          <a:off x="0" y="0"/>
+          <a:ext cx="0" cy="0"/>
+          <a:chOff x="0" y="0"/>
+          <a:chExt cx="0" cy="0"/>
+        </a:xfrm>
+      </p:grpSpPr>
+      <p:pic>
+        <p:nvPicPr>
           <p:cNvPr id="5" name="Inhaltsplatzhalter 4" descr="Ein Bild, das Text, Karte enthält.&#10;&#10;Automatisch generierte Beschreibung">
             <a:extLst>
               <a:ext uri="{FF2B5EF4-FFF2-40B4-BE49-F238E27FC236}">
@@ -3493,7 +3599,7 @@
 </p:sld>
 </file>
 
-<file path=ppt/slides/slide11.xml><?xml version="1.0" encoding="utf-8"?>
+<file path=ppt/slides/slide12.xml><?xml version="1.0" encoding="utf-8"?>
 <p:sld xmlns:a="http://schemas.openxmlformats.org/drawingml/2006/main" xmlns:r="http://schemas.openxmlformats.org/officeDocument/2006/relationships" xmlns:p="http://schemas.openxmlformats.org/presentationml/2006/main">
   <p:cSld>
     <p:spTree>
@@ -4014,7 +4120,7 @@
           <p:cNvPr id="2" name="Titel 1">
             <a:extLst>
               <a:ext uri="{FF2B5EF4-FFF2-40B4-BE49-F238E27FC236}">
-                <a16:creationId xmlns:a16="http://schemas.microsoft.com/office/drawing/2014/main" id="{A2AFCF30-A751-4ABB-BA52-F62040A6B2A5}"/>
+                <a16:creationId xmlns:a16="http://schemas.microsoft.com/office/drawing/2014/main" id="{95A4ACC6-08E0-4733-A45D-EB748720279D}"/>
               </a:ext>
             </a:extLst>
           </p:cNvPr>
@@ -4032,15 +4138,50 @@
           <a:p>
             <a:r>
               <a:rPr lang="en-GB" dirty="0"/>
-              <a:t>Results compared to LASSO</a:t>
-            </a:r>
-          </a:p>
-        </p:txBody>
-      </p:sp>
+              <a:t>Posterior </a:t>
+            </a:r>
+            <a:r>
+              <a:rPr lang="en-GB" dirty="0" err="1"/>
+              <a:t>dataframe</a:t>
+            </a:r>
+            <a:endParaRPr lang="en-GB" dirty="0"/>
+          </a:p>
+        </p:txBody>
+      </p:sp>
+      <p:pic>
+        <p:nvPicPr>
+          <p:cNvPr id="3" name="Grafik 2">
+            <a:extLst>
+              <a:ext uri="{FF2B5EF4-FFF2-40B4-BE49-F238E27FC236}">
+                <a16:creationId xmlns:a16="http://schemas.microsoft.com/office/drawing/2014/main" id="{8303CD0C-D733-4392-B8D2-7DC1A46F70B8}"/>
+              </a:ext>
+            </a:extLst>
+          </p:cNvPr>
+          <p:cNvPicPr>
+            <a:picLocks noChangeAspect="1"/>
+          </p:cNvPicPr>
+          <p:nvPr/>
+        </p:nvPicPr>
+        <p:blipFill>
+          <a:blip r:embed="rId2"/>
+          <a:stretch>
+            <a:fillRect/>
+          </a:stretch>
+        </p:blipFill>
+        <p:spPr>
+          <a:xfrm>
+            <a:off x="1340418" y="1690688"/>
+            <a:ext cx="9511164" cy="3989280"/>
+          </a:xfrm>
+          <a:prstGeom prst="rect">
+            <a:avLst/>
+          </a:prstGeom>
+        </p:spPr>
+      </p:pic>
     </p:spTree>
     <p:extLst>
       <p:ext uri="{BB962C8B-B14F-4D97-AF65-F5344CB8AC3E}">
-        <p14:creationId xmlns:p14="http://schemas.microsoft.com/office/powerpoint/2010/main" val="2428823086"/>
+        <p14:creationId xmlns:p14="http://schemas.microsoft.com/office/powerpoint/2010/main" val="1962798151"/>
       </p:ext>
     </p:extLst>
   </p:cSld>
@@ -4067,80 +4208,38 @@
           <a:chExt cx="0" cy="0"/>
         </a:xfrm>
       </p:grpSpPr>
-      <p:pic>
-        <p:nvPicPr>
-          <p:cNvPr id="5" name="Inhaltsplatzhalter 4" descr="Ein Bild, das Text enthält.&#10;&#10;Automatisch generierte Beschreibung">
-            <a:extLst>
-              <a:ext uri="{FF2B5EF4-FFF2-40B4-BE49-F238E27FC236}">
-                <a16:creationId xmlns:a16="http://schemas.microsoft.com/office/drawing/2014/main" id="{360FF932-AE32-4AA3-BD0B-5F792E8769C0}"/>
-              </a:ext>
-            </a:extLst>
-          </p:cNvPr>
-          <p:cNvPicPr>
-            <a:picLocks noGrp="1" noChangeAspect="1"/>
-          </p:cNvPicPr>
-          <p:nvPr>
-            <p:ph sz="half" idx="1"/>
-          </p:nvPr>
-        </p:nvPicPr>
-        <p:blipFill>
-          <a:blip r:embed="rId2">
-            <a:extLst>
-              <a:ext uri="{28A0092B-C50C-407E-A947-70E740481C1C}">
-                <a14:useLocalDpi xmlns:a14="http://schemas.microsoft.com/office/drawing/2010/main" val="0"/>
-              </a:ext>
-            </a:extLst>
-          </a:blip>
-          <a:stretch>
-            <a:fillRect/>
-          </a:stretch>
-        </p:blipFill>
-        <p:spPr>
-          <a:xfrm>
-            <a:off x="-1" y="380999"/>
-            <a:ext cx="6095999" cy="6095999"/>
-          </a:xfrm>
-        </p:spPr>
-      </p:pic>
-      <p:pic>
-        <p:nvPicPr>
-          <p:cNvPr id="7" name="Inhaltsplatzhalter 6" descr="Ein Bild, das Text enthält.&#10;&#10;Automatisch generierte Beschreibung">
-            <a:extLst>
-              <a:ext uri="{FF2B5EF4-FFF2-40B4-BE49-F238E27FC236}">
-                <a16:creationId xmlns:a16="http://schemas.microsoft.com/office/drawing/2014/main" id="{2285BE28-2F66-4D0B-A586-3BFB8A0951A4}"/>
-              </a:ext>
-            </a:extLst>
-          </p:cNvPr>
-          <p:cNvPicPr>
-            <a:picLocks noGrp="1" noChangeAspect="1"/>
-          </p:cNvPicPr>
-          <p:nvPr>
-            <p:ph sz="half" idx="2"/>
-          </p:nvPr>
-        </p:nvPicPr>
-        <p:blipFill>
-          <a:blip r:embed="rId3">
-            <a:extLst>
-              <a:ext uri="{28A0092B-C50C-407E-A947-70E740481C1C}">
-                <a14:useLocalDpi xmlns:a14="http://schemas.microsoft.com/office/drawing/2010/main" val="0"/>
-              </a:ext>
-            </a:extLst>
-          </a:blip>
-          <a:stretch>
-            <a:fillRect/>
-          </a:stretch>
-        </p:blipFill>
-        <p:spPr>
-          <a:xfrm>
-            <a:off x="6096000" y="381000"/>
-            <a:ext cx="6096000" cy="6096000"/>
-          </a:xfrm>
-        </p:spPr>
-      </p:pic>
+      <p:sp>
+        <p:nvSpPr>
+          <p:cNvPr id="2" name="Titel 1">
+            <a:extLst>
+              <a:ext uri="{FF2B5EF4-FFF2-40B4-BE49-F238E27FC236}">
+                <a16:creationId xmlns:a16="http://schemas.microsoft.com/office/drawing/2014/main" id="{A2AFCF30-A751-4ABB-BA52-F62040A6B2A5}"/>
+              </a:ext>
+            </a:extLst>
+          </p:cNvPr>
+          <p:cNvSpPr>
+            <a:spLocks noGrp="1"/>
+          </p:cNvSpPr>
+          <p:nvPr>
+            <p:ph type="title"/>
+          </p:nvPr>
+        </p:nvSpPr>
+        <p:spPr/>
+        <p:txBody>
+          <a:bodyPr/>
+          <a:lstStyle/>
+          <a:p>
+            <a:r>
+              <a:rPr lang="en-GB" dirty="0"/>
+              <a:t>Results compared to LASSO</a:t>
+            </a:r>
+          </a:p>
+        </p:txBody>
+      </p:sp>
     </p:spTree>
     <p:extLst>
       <p:ext uri="{BB962C8B-B14F-4D97-AF65-F5344CB8AC3E}">
-        <p14:creationId xmlns:p14="http://schemas.microsoft.com/office/powerpoint/2010/main" val="1481802526"/>
+        <p14:creationId xmlns:p14="http://schemas.microsoft.com/office/powerpoint/2010/main" val="2428823086"/>
       </p:ext>
     </p:extLst>
   </p:cSld>
@@ -4169,10 +4268,10 @@
       </p:grpSpPr>
       <p:pic>
         <p:nvPicPr>
-          <p:cNvPr id="5" name="Inhaltsplatzhalter 4" descr="Ein Bild, das Blume enthält.&#10;&#10;Automatisch generierte Beschreibung">
-            <a:extLst>
-              <a:ext uri="{FF2B5EF4-FFF2-40B4-BE49-F238E27FC236}">
-                <a16:creationId xmlns:a16="http://schemas.microsoft.com/office/drawing/2014/main" id="{5FF3F463-3F89-4814-B954-B238825F2ACB}"/>
+          <p:cNvPr id="5" name="Inhaltsplatzhalter 4" descr="Ein Bild, das Text enthält.&#10;&#10;Automatisch generierte Beschreibung">
+            <a:extLst>
+              <a:ext uri="{FF2B5EF4-FFF2-40B4-BE49-F238E27FC236}">
+                <a16:creationId xmlns:a16="http://schemas.microsoft.com/office/drawing/2014/main" id="{360FF932-AE32-4AA3-BD0B-5F792E8769C0}"/>
               </a:ext>
             </a:extLst>
           </p:cNvPr>
@@ -4197,17 +4296,17 @@
         </p:blipFill>
         <p:spPr>
           <a:xfrm>
-            <a:off x="326571" y="789214"/>
-            <a:ext cx="5279572" cy="5279572"/>
+            <a:off x="-1" y="380999"/>
+            <a:ext cx="6095999" cy="6095999"/>
           </a:xfrm>
         </p:spPr>
       </p:pic>
       <p:pic>
         <p:nvPicPr>
-          <p:cNvPr id="7" name="Inhaltsplatzhalter 6" descr="Ein Bild, das Blume enthält.&#10;&#10;Automatisch generierte Beschreibung">
-            <a:extLst>
-              <a:ext uri="{FF2B5EF4-FFF2-40B4-BE49-F238E27FC236}">
-                <a16:creationId xmlns:a16="http://schemas.microsoft.com/office/drawing/2014/main" id="{0EECD62E-A250-440E-B9CF-77210B977A9D}"/>
+          <p:cNvPr id="7" name="Inhaltsplatzhalter 6" descr="Ein Bild, das Text enthält.&#10;&#10;Automatisch generierte Beschreibung">
+            <a:extLst>
+              <a:ext uri="{FF2B5EF4-FFF2-40B4-BE49-F238E27FC236}">
+                <a16:creationId xmlns:a16="http://schemas.microsoft.com/office/drawing/2014/main" id="{2285BE28-2F66-4D0B-A586-3BFB8A0951A4}"/>
               </a:ext>
             </a:extLst>
           </p:cNvPr>
@@ -4232,15 +4331,15 @@
         </p:blipFill>
         <p:spPr>
           <a:xfrm>
-            <a:off x="6585857" y="789214"/>
-            <a:ext cx="5279572" cy="5279572"/>
+            <a:off x="6096000" y="381000"/>
+            <a:ext cx="6096000" cy="6096000"/>
           </a:xfrm>
         </p:spPr>
       </p:pic>
     </p:spTree>
     <p:extLst>
       <p:ext uri="{BB962C8B-B14F-4D97-AF65-F5344CB8AC3E}">
-        <p14:creationId xmlns:p14="http://schemas.microsoft.com/office/powerpoint/2010/main" val="1905304236"/>
+        <p14:creationId xmlns:p14="http://schemas.microsoft.com/office/powerpoint/2010/main" val="1481802526"/>
       </p:ext>
     </p:extLst>
   </p:cSld>
@@ -4269,10 +4368,10 @@
       </p:grpSpPr>
       <p:pic>
         <p:nvPicPr>
-          <p:cNvPr id="12" name="Inhaltsplatzhalter 11" descr="Ein Bild, das Screenshot enthält.&#10;&#10;Automatisch generierte Beschreibung">
-            <a:extLst>
-              <a:ext uri="{FF2B5EF4-FFF2-40B4-BE49-F238E27FC236}">
-                <a16:creationId xmlns:a16="http://schemas.microsoft.com/office/drawing/2014/main" id="{0D81ED36-08F3-4C24-99D3-833330A13F03}"/>
+          <p:cNvPr id="5" name="Inhaltsplatzhalter 4" descr="Ein Bild, das Blume enthält.&#10;&#10;Automatisch generierte Beschreibung">
+            <a:extLst>
+              <a:ext uri="{FF2B5EF4-FFF2-40B4-BE49-F238E27FC236}">
+                <a16:creationId xmlns:a16="http://schemas.microsoft.com/office/drawing/2014/main" id="{5FF3F463-3F89-4814-B954-B238825F2ACB}"/>
               </a:ext>
             </a:extLst>
           </p:cNvPr>
@@ -4297,17 +4396,17 @@
         </p:blipFill>
         <p:spPr>
           <a:xfrm>
-            <a:off x="0" y="1251858"/>
-            <a:ext cx="6096000" cy="4354284"/>
+            <a:off x="326571" y="789214"/>
+            <a:ext cx="5279572" cy="5279572"/>
           </a:xfrm>
         </p:spPr>
       </p:pic>
       <p:pic>
         <p:nvPicPr>
-          <p:cNvPr id="14" name="Inhaltsplatzhalter 13" descr="Ein Bild, das Screenshot enthält.&#10;&#10;Automatisch generierte Beschreibung">
-            <a:extLst>
-              <a:ext uri="{FF2B5EF4-FFF2-40B4-BE49-F238E27FC236}">
-                <a16:creationId xmlns:a16="http://schemas.microsoft.com/office/drawing/2014/main" id="{D816D738-BD8F-4C0E-BCB0-DBDB3CBA2972}"/>
+          <p:cNvPr id="7" name="Inhaltsplatzhalter 6" descr="Ein Bild, das Blume enthält.&#10;&#10;Automatisch generierte Beschreibung">
+            <a:extLst>
+              <a:ext uri="{FF2B5EF4-FFF2-40B4-BE49-F238E27FC236}">
+                <a16:creationId xmlns:a16="http://schemas.microsoft.com/office/drawing/2014/main" id="{0EECD62E-A250-440E-B9CF-77210B977A9D}"/>
               </a:ext>
             </a:extLst>
           </p:cNvPr>
@@ -4332,15 +4431,15 @@
         </p:blipFill>
         <p:spPr>
           <a:xfrm>
-            <a:off x="6096000" y="1251858"/>
-            <a:ext cx="6095999" cy="4354284"/>
+            <a:off x="6585857" y="789214"/>
+            <a:ext cx="5279572" cy="5279572"/>
           </a:xfrm>
         </p:spPr>
       </p:pic>
     </p:spTree>
     <p:extLst>
       <p:ext uri="{BB962C8B-B14F-4D97-AF65-F5344CB8AC3E}">
-        <p14:creationId xmlns:p14="http://schemas.microsoft.com/office/powerpoint/2010/main" val="1650839493"/>
+        <p14:creationId xmlns:p14="http://schemas.microsoft.com/office/powerpoint/2010/main" val="1905304236"/>
       </p:ext>
     </p:extLst>
   </p:cSld>
